--- a/spring13/slidesS13/truth-tables.pptx
+++ b/spring13/slidesS13/truth-tables.pptx
@@ -7255,9 +7255,14 @@
   <p:clrMapOvr>
     <a:masterClrMapping/>
   </p:clrMapOvr>
-  <p:transition xmlns:p14="http://schemas.microsoft.com/office/powerpoint/2010/main" advTm="10842">
-    <p:fade/>
-  </p:transition>
+  <mc:AlternateContent xmlns:mc="http://schemas.openxmlformats.org/markup-compatibility/2006">
+    <mc:Choice xmlns:p14="http://schemas.microsoft.com/office/powerpoint/2010/main" Requires="p14">
+      <p:transition p14:dur="0" advClick="0"/>
+    </mc:Choice>
+    <mc:Fallback>
+      <p:transition xmlns:p14="http://schemas.microsoft.com/office/powerpoint/2010/main" advClick="0"/>
+    </mc:Fallback>
+  </mc:AlternateContent>
   <p:timing>
     <p:tnLst>
       <p:par>
@@ -7440,29 +7445,11 @@
                 </a:solidFill>
                 <a:latin typeface="Comic Sans MS" pitchFamily="66" charset="0"/>
               </a:rPr>
-              <a:t> (</a:t>
-            </a:r>
-            <a:r>
-              <a:rPr lang="en-US" sz="4800" dirty="0" smtClean="0">
-                <a:latin typeface="Comic Sans MS" pitchFamily="66" charset="0"/>
-              </a:rPr>
-              <a:t>P </a:t>
-            </a:r>
-            <a:r>
-              <a:rPr lang="en-US" sz="4000" dirty="0" smtClean="0">
-                <a:solidFill>
-                  <a:srgbClr val="0000E5"/>
-                </a:solidFill>
-                <a:latin typeface="Comic Sans MS" pitchFamily="66" charset="0"/>
-              </a:rPr>
-              <a:t>AND NOT</a:t>
-            </a:r>
-            <a:r>
-              <a:rPr lang="en-US" sz="4800" dirty="0" smtClean="0">
-                <a:latin typeface="Comic Sans MS" pitchFamily="66" charset="0"/>
-              </a:rPr>
-              <a:t>(P))</a:t>
-            </a:r>
+              <a:t> </a:t>
+            </a:r>
+            <a:endParaRPr lang="en-US" sz="4800" dirty="0" smtClean="0">
+              <a:latin typeface="Comic Sans MS" pitchFamily="66" charset="0"/>
+            </a:endParaRPr>
           </a:p>
           <a:p>
             <a:pPr algn="l"/>
@@ -7482,44 +7469,8 @@
                 </a:solidFill>
                 <a:latin typeface="Comic Sans MS" pitchFamily="66" charset="0"/>
               </a:rPr>
-              <a:t>:               (</a:t>
-            </a:r>
-            <a:r>
-              <a:rPr lang="en-US" sz="4800" dirty="0">
-                <a:latin typeface="Comic Sans MS" pitchFamily="66" charset="0"/>
-              </a:rPr>
-              <a:t>P </a:t>
-            </a:r>
-            <a:r>
-              <a:rPr lang="en-US" sz="4000" dirty="0" smtClean="0">
-                <a:solidFill>
-                  <a:srgbClr val="0000E5"/>
-                </a:solidFill>
-                <a:latin typeface="Comic Sans MS" pitchFamily="66" charset="0"/>
-              </a:rPr>
-              <a:t>OR  </a:t>
-            </a:r>
-            <a:r>
-              <a:rPr lang="en-US" sz="4000" dirty="0">
-                <a:solidFill>
-                  <a:srgbClr val="0000E5"/>
-                </a:solidFill>
-                <a:latin typeface="Comic Sans MS" pitchFamily="66" charset="0"/>
-              </a:rPr>
-              <a:t>NOT</a:t>
-            </a:r>
-            <a:r>
-              <a:rPr lang="en-US" sz="4800" dirty="0">
-                <a:latin typeface="Comic Sans MS" pitchFamily="66" charset="0"/>
-              </a:rPr>
-              <a:t>(P))</a:t>
-            </a:r>
-            <a:endParaRPr lang="en-US" sz="4800" dirty="0" smtClean="0">
-              <a:solidFill>
-                <a:srgbClr val="000000"/>
-              </a:solidFill>
-              <a:latin typeface="Comic Sans MS" pitchFamily="66" charset="0"/>
-            </a:endParaRPr>
+              <a:t>:              </a:t>
+            </a:r>
           </a:p>
         </p:txBody>
       </p:sp>
@@ -7554,6 +7505,133 @@
               <a:t>10</a:t>
             </a:fld>
             <a:endParaRPr lang="en-US" dirty="0" smtClean="0"/>
+          </a:p>
+        </p:txBody>
+      </p:sp>
+      <p:sp>
+        <p:nvSpPr>
+          <p:cNvPr id="2" name="TextBox 1"/>
+          <p:cNvSpPr txBox="1"/>
+          <p:nvPr/>
+        </p:nvSpPr>
+        <p:spPr>
+          <a:xfrm>
+            <a:off x="4381500" y="2988101"/>
+            <a:ext cx="4385485" cy="830997"/>
+          </a:xfrm>
+          <a:prstGeom prst="rect">
+            <a:avLst/>
+          </a:prstGeom>
+          <a:noFill/>
+        </p:spPr>
+        <p:txBody>
+          <a:bodyPr wrap="none" rtlCol="0">
+            <a:spAutoFit/>
+          </a:bodyPr>
+          <a:lstStyle/>
+          <a:p>
+            <a:pPr algn="l"/>
+            <a:r>
+              <a:rPr lang="en-US" sz="4800" dirty="0">
+                <a:solidFill>
+                  <a:srgbClr val="000000"/>
+                </a:solidFill>
+                <a:latin typeface="Comic Sans MS" pitchFamily="66" charset="0"/>
+              </a:rPr>
+              <a:t>(</a:t>
+            </a:r>
+            <a:r>
+              <a:rPr lang="en-US" sz="4800" dirty="0">
+                <a:latin typeface="Comic Sans MS" pitchFamily="66" charset="0"/>
+              </a:rPr>
+              <a:t>P </a:t>
+            </a:r>
+            <a:r>
+              <a:rPr lang="en-US" sz="4000" dirty="0">
+                <a:solidFill>
+                  <a:srgbClr val="0000E5"/>
+                </a:solidFill>
+                <a:latin typeface="Comic Sans MS" pitchFamily="66" charset="0"/>
+              </a:rPr>
+              <a:t>AND NOT</a:t>
+            </a:r>
+            <a:r>
+              <a:rPr lang="en-US" sz="4800" dirty="0">
+                <a:latin typeface="Comic Sans MS" pitchFamily="66" charset="0"/>
+              </a:rPr>
+              <a:t>(P))</a:t>
+            </a:r>
+            <a:endParaRPr lang="en-US" sz="4000" dirty="0" smtClean="0">
+              <a:latin typeface="Comic Sans MS" pitchFamily="66" charset="0"/>
+            </a:endParaRPr>
+          </a:p>
+        </p:txBody>
+      </p:sp>
+      <p:sp>
+        <p:nvSpPr>
+          <p:cNvPr id="3" name="TextBox 2"/>
+          <p:cNvSpPr txBox="1"/>
+          <p:nvPr/>
+        </p:nvSpPr>
+        <p:spPr>
+          <a:xfrm>
+            <a:off x="4203700" y="3771900"/>
+            <a:ext cx="4520964" cy="830997"/>
+          </a:xfrm>
+          <a:prstGeom prst="rect">
+            <a:avLst/>
+          </a:prstGeom>
+          <a:noFill/>
+        </p:spPr>
+        <p:txBody>
+          <a:bodyPr wrap="none" rtlCol="0">
+            <a:spAutoFit/>
+          </a:bodyPr>
+          <a:lstStyle/>
+          <a:p>
+            <a:pPr algn="l"/>
+            <a:r>
+              <a:rPr lang="en-US" sz="4800" dirty="0">
+                <a:solidFill>
+                  <a:srgbClr val="000000"/>
+                </a:solidFill>
+                <a:latin typeface="Comic Sans MS" pitchFamily="66" charset="0"/>
+              </a:rPr>
+              <a:t> (</a:t>
+            </a:r>
+            <a:r>
+              <a:rPr lang="en-US" sz="4800" dirty="0">
+                <a:latin typeface="Comic Sans MS" pitchFamily="66" charset="0"/>
+              </a:rPr>
+              <a:t>P </a:t>
+            </a:r>
+            <a:r>
+              <a:rPr lang="en-US" sz="4400" dirty="0">
+                <a:solidFill>
+                  <a:srgbClr val="0000E5"/>
+                </a:solidFill>
+                <a:latin typeface="Comic Sans MS" pitchFamily="66" charset="0"/>
+              </a:rPr>
+              <a:t>OR  NOT</a:t>
+            </a:r>
+            <a:r>
+              <a:rPr lang="en-US" sz="4800" dirty="0">
+                <a:latin typeface="Comic Sans MS" pitchFamily="66" charset="0"/>
+              </a:rPr>
+              <a:t>(P)</a:t>
+            </a:r>
+            <a:r>
+              <a:rPr lang="en-US" sz="4800" dirty="0" smtClean="0">
+                <a:latin typeface="Comic Sans MS" pitchFamily="66" charset="0"/>
+              </a:rPr>
+              <a:t>)</a:t>
+            </a:r>
+            <a:endParaRPr lang="en-US" sz="4800" dirty="0">
+              <a:solidFill>
+                <a:srgbClr val="000000"/>
+              </a:solidFill>
+              <a:latin typeface="Comic Sans MS" pitchFamily="66" charset="0"/>
+            </a:endParaRPr>
           </a:p>
         </p:txBody>
       </p:sp>
@@ -7600,7 +7678,7 @@
                             </p:stCondLst>
                             <p:childTnLst>
                               <p:par>
-                                <p:cTn id="5" presetID="22" presetClass="entr" presetSubtype="8" fill="hold" grpId="0" nodeType="clickEffect">
+                                <p:cTn id="5" presetID="10" presetClass="entr" presetSubtype="0" fill="hold" grpId="0" nodeType="clickEffect">
                                   <p:stCondLst>
                                     <p:cond delay="0"/>
                                   </p:stCondLst>
@@ -7627,7 +7705,7 @@
                                         <p:strVal val="visible"/>
                                       </p:to>
                                     </p:set>
-                                    <p:animEffect transition="in" filter="wipe(left)">
+                                    <p:animEffect transition="in" filter="fade">
                                       <p:cBhvr>
                                         <p:cTn id="7" dur="500"/>
                                         <p:tgtEl>
@@ -7674,6 +7752,59 @@
                                           </p:stCondLst>
                                         </p:cTn>
                                         <p:tgtEl>
+                                          <p:spTgt spid="2"/>
+                                        </p:tgtEl>
+                                        <p:attrNameLst>
+                                          <p:attrName>style.visibility</p:attrName>
+                                        </p:attrNameLst>
+                                      </p:cBhvr>
+                                      <p:to>
+                                        <p:strVal val="visible"/>
+                                      </p:to>
+                                    </p:set>
+                                    <p:animEffect transition="in" filter="wipe(left)">
+                                      <p:cBhvr>
+                                        <p:cTn id="12" dur="1000"/>
+                                        <p:tgtEl>
+                                          <p:spTgt spid="2"/>
+                                        </p:tgtEl>
+                                      </p:cBhvr>
+                                    </p:animEffect>
+                                  </p:childTnLst>
+                                </p:cTn>
+                              </p:par>
+                            </p:childTnLst>
+                          </p:cTn>
+                        </p:par>
+                      </p:childTnLst>
+                    </p:cTn>
+                  </p:par>
+                  <p:par>
+                    <p:cTn id="13" fill="hold">
+                      <p:stCondLst>
+                        <p:cond delay="indefinite"/>
+                      </p:stCondLst>
+                      <p:childTnLst>
+                        <p:par>
+                          <p:cTn id="14" fill="hold">
+                            <p:stCondLst>
+                              <p:cond delay="0"/>
+                            </p:stCondLst>
+                            <p:childTnLst>
+                              <p:par>
+                                <p:cTn id="15" presetID="10" presetClass="entr" presetSubtype="0" fill="hold" grpId="0" nodeType="clickEffect">
+                                  <p:stCondLst>
+                                    <p:cond delay="0"/>
+                                  </p:stCondLst>
+                                  <p:childTnLst>
+                                    <p:set>
+                                      <p:cBhvr>
+                                        <p:cTn id="16" dur="1" fill="hold">
+                                          <p:stCondLst>
+                                            <p:cond delay="0"/>
+                                          </p:stCondLst>
+                                        </p:cTn>
+                                        <p:tgtEl>
                                           <p:spTgt spid="14">
                                             <p:txEl>
                                               <p:pRg st="2" end="2"/>
@@ -7688,15 +7819,68 @@
                                         <p:strVal val="visible"/>
                                       </p:to>
                                     </p:set>
-                                    <p:animEffect transition="in" filter="wipe(left)">
+                                    <p:animEffect transition="in" filter="fade">
                                       <p:cBhvr>
-                                        <p:cTn id="12" dur="500"/>
+                                        <p:cTn id="17" dur="500"/>
                                         <p:tgtEl>
                                           <p:spTgt spid="14">
                                             <p:txEl>
                                               <p:pRg st="2" end="2"/>
                                             </p:txEl>
                                           </p:spTgt>
+                                        </p:tgtEl>
+                                      </p:cBhvr>
+                                    </p:animEffect>
+                                  </p:childTnLst>
+                                </p:cTn>
+                              </p:par>
+                            </p:childTnLst>
+                          </p:cTn>
+                        </p:par>
+                      </p:childTnLst>
+                    </p:cTn>
+                  </p:par>
+                  <p:par>
+                    <p:cTn id="18" fill="hold">
+                      <p:stCondLst>
+                        <p:cond delay="indefinite"/>
+                      </p:stCondLst>
+                      <p:childTnLst>
+                        <p:par>
+                          <p:cTn id="19" fill="hold">
+                            <p:stCondLst>
+                              <p:cond delay="0"/>
+                            </p:stCondLst>
+                            <p:childTnLst>
+                              <p:par>
+                                <p:cTn id="20" presetID="22" presetClass="entr" presetSubtype="8" fill="hold" grpId="0" nodeType="clickEffect">
+                                  <p:stCondLst>
+                                    <p:cond delay="0"/>
+                                  </p:stCondLst>
+                                  <p:childTnLst>
+                                    <p:set>
+                                      <p:cBhvr>
+                                        <p:cTn id="21" dur="1" fill="hold">
+                                          <p:stCondLst>
+                                            <p:cond delay="0"/>
+                                          </p:stCondLst>
+                                        </p:cTn>
+                                        <p:tgtEl>
+                                          <p:spTgt spid="3"/>
+                                        </p:tgtEl>
+                                        <p:attrNameLst>
+                                          <p:attrName>style.visibility</p:attrName>
+                                        </p:attrNameLst>
+                                      </p:cBhvr>
+                                      <p:to>
+                                        <p:strVal val="visible"/>
+                                      </p:to>
+                                    </p:set>
+                                    <p:animEffect transition="in" filter="wipe(left)">
+                                      <p:cBhvr>
+                                        <p:cTn id="22" dur="1000"/>
+                                        <p:tgtEl>
+                                          <p:spTgt spid="3"/>
                                         </p:tgtEl>
                                       </p:cBhvr>
                                     </p:animEffect>
@@ -7731,7 +7915,9 @@
       </p:par>
     </p:tnLst>
     <p:bldLst>
-      <p:bldP spid="14" grpId="0" build="p"/>
+      <p:bldP spid="14" grpId="0" uiExpand="1" build="p"/>
+      <p:bldP spid="2" grpId="0"/>
+      <p:bldP spid="3" grpId="0"/>
     </p:bldLst>
   </p:timing>
 </p:sld>
@@ -7964,6 +8150,9 @@
                     <p:cTn id="3" fill="hold">
                       <p:stCondLst>
                         <p:cond delay="indefinite"/>
+                        <p:cond evt="onBegin" delay="0">
+                          <p:tn val="2"/>
+                        </p:cond>
                       </p:stCondLst>
                       <p:childTnLst>
                         <p:par>
@@ -7973,7 +8162,7 @@
                             </p:stCondLst>
                             <p:childTnLst>
                               <p:par>
-                                <p:cTn id="5" presetID="9" presetClass="entr" presetSubtype="0" fill="hold" grpId="0" nodeType="clickEffect">
+                                <p:cTn id="5" presetID="9" presetClass="entr" presetSubtype="0" fill="hold" grpId="0" nodeType="afterEffect">
                                   <p:stCondLst>
                                     <p:cond delay="0"/>
                                   </p:stCondLst>
@@ -8002,7 +8191,7 @@
                                     </p:set>
                                     <p:animEffect transition="in" filter="dissolve">
                                       <p:cBhvr>
-                                        <p:cTn id="7" dur="500"/>
+                                        <p:cTn id="7" dur="1000"/>
                                         <p:tgtEl>
                                           <p:spTgt spid="14">
                                             <p:txEl>
@@ -14082,7 +14271,7 @@
           <a:graphicData uri="http://schemas.openxmlformats.org/presentationml/2006/ole">
             <mc:AlternateContent xmlns:mc="http://schemas.openxmlformats.org/markup-compatibility/2006">
               <mc:Choice xmlns:v="urn:schemas-microsoft-com:vml" Requires="v">
-                <p:oleObj spid="_x0000_s402633" name="Equation" r:id="rId4" imgW="800100" imgH="228600" progId="Equation.DSMT4">
+                <p:oleObj spid="_x0000_s402660" name="Equation" r:id="rId4" imgW="800100" imgH="228600" progId="Equation.DSMT4">
                   <p:embed/>
                 </p:oleObj>
               </mc:Choice>
@@ -14144,7 +14333,7 @@
           <a:graphicData uri="http://schemas.openxmlformats.org/presentationml/2006/ole">
             <mc:AlternateContent xmlns:mc="http://schemas.openxmlformats.org/markup-compatibility/2006">
               <mc:Choice xmlns:v="urn:schemas-microsoft-com:vml" Requires="v">
-                <p:oleObj spid="_x0000_s402634" name="Equation" r:id="rId6" imgW="622300" imgH="241300" progId="Equation.DSMT4">
+                <p:oleObj spid="_x0000_s402661" name="Equation" r:id="rId6" imgW="622300" imgH="241300" progId="Equation.DSMT4">
                   <p:embed/>
                 </p:oleObj>
               </mc:Choice>
@@ -14252,7 +14441,7 @@
             <a:graphicData uri="http://schemas.openxmlformats.org/presentationml/2006/ole">
               <mc:AlternateContent xmlns:mc="http://schemas.openxmlformats.org/markup-compatibility/2006">
                 <mc:Choice xmlns:v="urn:schemas-microsoft-com:vml" Requires="v">
-                  <p:oleObj spid="_x0000_s402635" name="Equation" r:id="rId8" imgW="622300" imgH="241300" progId="Equation.DSMT4">
+                  <p:oleObj spid="_x0000_s402662" name="Equation" r:id="rId8" imgW="622300" imgH="241300" progId="Equation.DSMT4">
                     <p:embed/>
                   </p:oleObj>
                 </mc:Choice>
@@ -14309,7 +14498,7 @@
             <a:graphicData uri="http://schemas.openxmlformats.org/presentationml/2006/ole">
               <mc:AlternateContent xmlns:mc="http://schemas.openxmlformats.org/markup-compatibility/2006">
                 <mc:Choice xmlns:v="urn:schemas-microsoft-com:vml" Requires="v">
-                  <p:oleObj spid="_x0000_s402636" name="Equation" r:id="rId9" imgW="609600" imgH="304800" progId="Equation.DSMT4">
+                  <p:oleObj spid="_x0000_s402663" name="Equation" r:id="rId9" imgW="609600" imgH="304800" progId="Equation.DSMT4">
                     <p:embed/>
                   </p:oleObj>
                 </mc:Choice>
@@ -14441,7 +14630,7 @@
                             </p:stCondLst>
                             <p:childTnLst>
                               <p:par>
-                                <p:cTn id="10" presetID="1" presetClass="entr" presetSubtype="0" fill="hold" nodeType="clickEffect">
+                                <p:cTn id="10" presetID="10" presetClass="entr" presetSubtype="0" fill="hold" nodeType="clickEffect">
                                   <p:stCondLst>
                                     <p:cond delay="0"/>
                                   </p:stCondLst>
@@ -14464,18 +14653,26 @@
                                         <p:strVal val="visible"/>
                                       </p:to>
                                     </p:set>
+                                    <p:animEffect transition="in" filter="fade">
+                                      <p:cBhvr>
+                                        <p:cTn id="12" dur="500"/>
+                                        <p:tgtEl>
+                                          <p:spTgt spid="4"/>
+                                        </p:tgtEl>
+                                      </p:cBhvr>
+                                    </p:animEffect>
                                   </p:childTnLst>
                                 </p:cTn>
                               </p:par>
                               <p:par>
-                                <p:cTn id="12" presetID="1" presetClass="entr" presetSubtype="0" fill="hold" nodeType="withEffect">
+                                <p:cTn id="13" presetID="10" presetClass="entr" presetSubtype="0" fill="hold" nodeType="withEffect">
                                   <p:stCondLst>
                                     <p:cond delay="0"/>
                                   </p:stCondLst>
                                   <p:childTnLst>
                                     <p:set>
                                       <p:cBhvr>
-                                        <p:cTn id="13" dur="1" fill="hold">
+                                        <p:cTn id="14" dur="1" fill="hold">
                                           <p:stCondLst>
                                             <p:cond delay="0"/>
                                           </p:stCondLst>
@@ -14491,18 +14688,26 @@
                                         <p:strVal val="visible"/>
                                       </p:to>
                                     </p:set>
+                                    <p:animEffect transition="in" filter="fade">
+                                      <p:cBhvr>
+                                        <p:cTn id="15" dur="500"/>
+                                        <p:tgtEl>
+                                          <p:spTgt spid="6"/>
+                                        </p:tgtEl>
+                                      </p:cBhvr>
+                                    </p:animEffect>
                                   </p:childTnLst>
                                 </p:cTn>
                               </p:par>
                               <p:par>
-                                <p:cTn id="14" presetID="1" presetClass="entr" presetSubtype="0" fill="hold" nodeType="withEffect">
+                                <p:cTn id="16" presetID="10" presetClass="entr" presetSubtype="0" fill="hold" nodeType="withEffect">
                                   <p:stCondLst>
                                     <p:cond delay="0"/>
                                   </p:stCondLst>
                                   <p:childTnLst>
                                     <p:set>
                                       <p:cBhvr>
-                                        <p:cTn id="15" dur="1" fill="hold">
+                                        <p:cTn id="17" dur="1" fill="hold">
                                           <p:stCondLst>
                                             <p:cond delay="0"/>
                                           </p:stCondLst>
@@ -14518,6 +14723,14 @@
                                         <p:strVal val="visible"/>
                                       </p:to>
                                     </p:set>
+                                    <p:animEffect transition="in" filter="fade">
+                                      <p:cBhvr>
+                                        <p:cTn id="18" dur="500"/>
+                                        <p:tgtEl>
+                                          <p:spTgt spid="5"/>
+                                        </p:tgtEl>
+                                      </p:cBhvr>
+                                    </p:animEffect>
                                   </p:childTnLst>
                                 </p:cTn>
                               </p:par>
@@ -14528,26 +14741,26 @@
                     </p:cTn>
                   </p:par>
                   <p:par>
-                    <p:cTn id="16" fill="hold">
+                    <p:cTn id="19" fill="hold">
                       <p:stCondLst>
                         <p:cond delay="indefinite"/>
                       </p:stCondLst>
                       <p:childTnLst>
                         <p:par>
-                          <p:cTn id="17" fill="hold">
+                          <p:cTn id="20" fill="hold">
                             <p:stCondLst>
                               <p:cond delay="0"/>
                             </p:stCondLst>
                             <p:childTnLst>
                               <p:par>
-                                <p:cTn id="18" presetID="22" presetClass="entr" presetSubtype="8" fill="hold" nodeType="clickEffect">
+                                <p:cTn id="21" presetID="22" presetClass="entr" presetSubtype="8" fill="hold" nodeType="clickEffect">
                                   <p:stCondLst>
                                     <p:cond delay="0"/>
                                   </p:stCondLst>
                                   <p:childTnLst>
                                     <p:set>
                                       <p:cBhvr>
-                                        <p:cTn id="19" dur="1" fill="hold">
+                                        <p:cTn id="22" dur="1" fill="hold">
                                           <p:stCondLst>
                                             <p:cond delay="0"/>
                                           </p:stCondLst>
@@ -14565,7 +14778,7 @@
                                     </p:set>
                                     <p:animEffect transition="in" filter="wipe(left)">
                                       <p:cBhvr>
-                                        <p:cTn id="20" dur="500"/>
+                                        <p:cTn id="23" dur="500"/>
                                         <p:tgtEl>
                                           <p:spTgt spid="70"/>
                                         </p:tgtEl>
@@ -14581,26 +14794,26 @@
                     </p:cTn>
                   </p:par>
                   <p:par>
-                    <p:cTn id="21" fill="hold">
+                    <p:cTn id="24" fill="hold">
                       <p:stCondLst>
                         <p:cond delay="indefinite"/>
                       </p:stCondLst>
                       <p:childTnLst>
                         <p:par>
-                          <p:cTn id="22" fill="hold">
+                          <p:cTn id="25" fill="hold">
                             <p:stCondLst>
                               <p:cond delay="0"/>
                             </p:stCondLst>
                             <p:childTnLst>
                               <p:par>
-                                <p:cTn id="23" presetID="1" presetClass="entr" presetSubtype="0" fill="hold" nodeType="clickEffect">
+                                <p:cTn id="26" presetID="22" presetClass="entr" presetSubtype="1" fill="hold" nodeType="clickEffect">
                                   <p:stCondLst>
                                     <p:cond delay="0"/>
                                   </p:stCondLst>
                                   <p:childTnLst>
                                     <p:set>
                                       <p:cBhvr>
-                                        <p:cTn id="24" dur="1" fill="hold">
+                                        <p:cTn id="27" dur="1" fill="hold">
                                           <p:stCondLst>
                                             <p:cond delay="0"/>
                                           </p:stCondLst>
@@ -14616,51 +14829,14 @@
                                         <p:strVal val="visible"/>
                                       </p:to>
                                     </p:set>
-                                  </p:childTnLst>
-                                </p:cTn>
-                              </p:par>
-                            </p:childTnLst>
-                          </p:cTn>
-                        </p:par>
-                      </p:childTnLst>
-                    </p:cTn>
-                  </p:par>
-                  <p:par>
-                    <p:cTn id="25" fill="hold">
-                      <p:stCondLst>
-                        <p:cond delay="indefinite"/>
-                      </p:stCondLst>
-                      <p:childTnLst>
-                        <p:par>
-                          <p:cTn id="26" fill="hold">
-                            <p:stCondLst>
-                              <p:cond delay="0"/>
-                            </p:stCondLst>
-                            <p:childTnLst>
-                              <p:par>
-                                <p:cTn id="27" presetID="1" presetClass="entr" presetSubtype="0" fill="hold" nodeType="clickEffect">
-                                  <p:stCondLst>
-                                    <p:cond delay="0"/>
-                                  </p:stCondLst>
-                                  <p:childTnLst>
-                                    <p:set>
+                                    <p:animEffect transition="in" filter="wipe(up)">
                                       <p:cBhvr>
-                                        <p:cTn id="28" dur="1" fill="hold">
-                                          <p:stCondLst>
-                                            <p:cond delay="0"/>
-                                          </p:stCondLst>
-                                        </p:cTn>
+                                        <p:cTn id="28" dur="500"/>
                                         <p:tgtEl>
-                                          <p:spTgt spid="10"/>
+                                          <p:spTgt spid="3"/>
                                         </p:tgtEl>
-                                        <p:attrNameLst>
-                                          <p:attrName>style.visibility</p:attrName>
-                                        </p:attrNameLst>
                                       </p:cBhvr>
-                                      <p:to>
-                                        <p:strVal val="visible"/>
-                                      </p:to>
-                                    </p:set>
+                                    </p:animEffect>
                                   </p:childTnLst>
                                 </p:cTn>
                               </p:par>
@@ -14683,7 +14859,7 @@
                             </p:stCondLst>
                             <p:childTnLst>
                               <p:par>
-                                <p:cTn id="31" presetID="22" presetClass="entr" presetSubtype="8" fill="hold" nodeType="clickEffect">
+                                <p:cTn id="31" presetID="22" presetClass="entr" presetSubtype="1" fill="hold" nodeType="clickEffect">
                                   <p:stCondLst>
                                     <p:cond delay="0"/>
                                   </p:stCondLst>
@@ -14696,7 +14872,7 @@
                                           </p:stCondLst>
                                         </p:cTn>
                                         <p:tgtEl>
-                                          <p:spTgt spid="71"/>
+                                          <p:spTgt spid="10"/>
                                         </p:tgtEl>
                                         <p:attrNameLst>
                                           <p:attrName>style.visibility</p:attrName>
@@ -14706,11 +14882,11 @@
                                         <p:strVal val="visible"/>
                                       </p:to>
                                     </p:set>
-                                    <p:animEffect transition="in" filter="wipe(left)">
+                                    <p:animEffect transition="in" filter="wipe(up)">
                                       <p:cBhvr>
                                         <p:cTn id="33" dur="1000"/>
                                         <p:tgtEl>
-                                          <p:spTgt spid="71"/>
+                                          <p:spTgt spid="10"/>
                                         </p:tgtEl>
                                       </p:cBhvr>
                                     </p:animEffect>
@@ -14736,7 +14912,7 @@
                             </p:stCondLst>
                             <p:childTnLst>
                               <p:par>
-                                <p:cTn id="36" presetID="1" presetClass="entr" presetSubtype="0" fill="hold" nodeType="clickEffect">
+                                <p:cTn id="36" presetID="22" presetClass="entr" presetSubtype="8" fill="hold" nodeType="clickEffect">
                                   <p:stCondLst>
                                     <p:cond delay="0"/>
                                   </p:stCondLst>
@@ -14744,6 +14920,50 @@
                                     <p:set>
                                       <p:cBhvr>
                                         <p:cTn id="37" dur="1" fill="hold">
+                                          <p:stCondLst>
+                                            <p:cond delay="0"/>
+                                          </p:stCondLst>
+                                        </p:cTn>
+                                        <p:tgtEl>
+                                          <p:spTgt spid="71"/>
+                                        </p:tgtEl>
+                                        <p:attrNameLst>
+                                          <p:attrName>style.visibility</p:attrName>
+                                        </p:attrNameLst>
+                                      </p:cBhvr>
+                                      <p:to>
+                                        <p:strVal val="visible"/>
+                                      </p:to>
+                                    </p:set>
+                                    <p:animEffect transition="in" filter="wipe(left)">
+                                      <p:cBhvr>
+                                        <p:cTn id="38" dur="500"/>
+                                        <p:tgtEl>
+                                          <p:spTgt spid="71"/>
+                                        </p:tgtEl>
+                                      </p:cBhvr>
+                                    </p:animEffect>
+                                  </p:childTnLst>
+                                </p:cTn>
+                              </p:par>
+                            </p:childTnLst>
+                          </p:cTn>
+                        </p:par>
+                        <p:par>
+                          <p:cTn id="39" fill="hold">
+                            <p:stCondLst>
+                              <p:cond delay="500"/>
+                            </p:stCondLst>
+                            <p:childTnLst>
+                              <p:par>
+                                <p:cTn id="40" presetID="10" presetClass="entr" presetSubtype="0" fill="hold" nodeType="afterEffect">
+                                  <p:stCondLst>
+                                    <p:cond delay="0"/>
+                                  </p:stCondLst>
+                                  <p:childTnLst>
+                                    <p:set>
+                                      <p:cBhvr>
+                                        <p:cTn id="41" dur="1" fill="hold">
                                           <p:stCondLst>
                                             <p:cond delay="0"/>
                                           </p:stCondLst>
@@ -14759,6 +14979,14 @@
                                         <p:strVal val="visible"/>
                                       </p:to>
                                     </p:set>
+                                    <p:animEffect transition="in" filter="fade">
+                                      <p:cBhvr>
+                                        <p:cTn id="42" dur="500"/>
+                                        <p:tgtEl>
+                                          <p:spTgt spid="108"/>
+                                        </p:tgtEl>
+                                      </p:cBhvr>
+                                    </p:animEffect>
                                   </p:childTnLst>
                                 </p:cTn>
                               </p:par>
@@ -14769,26 +14997,26 @@
                     </p:cTn>
                   </p:par>
                   <p:par>
-                    <p:cTn id="38" fill="hold">
+                    <p:cTn id="43" fill="hold">
                       <p:stCondLst>
                         <p:cond delay="indefinite"/>
                       </p:stCondLst>
                       <p:childTnLst>
                         <p:par>
-                          <p:cTn id="39" fill="hold">
+                          <p:cTn id="44" fill="hold">
                             <p:stCondLst>
                               <p:cond delay="0"/>
                             </p:stCondLst>
                             <p:childTnLst>
                               <p:par>
-                                <p:cTn id="40" presetID="1" presetClass="entr" presetSubtype="0" fill="hold" nodeType="clickEffect">
+                                <p:cTn id="45" presetID="22" presetClass="entr" presetSubtype="1" fill="hold" nodeType="clickEffect">
                                   <p:stCondLst>
                                     <p:cond delay="0"/>
                                   </p:stCondLst>
                                   <p:childTnLst>
                                     <p:set>
                                       <p:cBhvr>
-                                        <p:cTn id="41" dur="1" fill="hold">
+                                        <p:cTn id="46" dur="1" fill="hold">
                                           <p:stCondLst>
                                             <p:cond delay="0"/>
                                           </p:stCondLst>
@@ -14804,6 +15032,14 @@
                                         <p:strVal val="visible"/>
                                       </p:to>
                                     </p:set>
+                                    <p:animEffect transition="in" filter="wipe(up)">
+                                      <p:cBhvr>
+                                        <p:cTn id="47" dur="500"/>
+                                        <p:tgtEl>
+                                          <p:spTgt spid="106"/>
+                                        </p:tgtEl>
+                                      </p:cBhvr>
+                                    </p:animEffect>
                                   </p:childTnLst>
                                 </p:cTn>
                               </p:par>
@@ -14814,26 +15050,26 @@
                     </p:cTn>
                   </p:par>
                   <p:par>
-                    <p:cTn id="42" fill="hold">
+                    <p:cTn id="48" fill="hold">
                       <p:stCondLst>
                         <p:cond delay="indefinite"/>
                       </p:stCondLst>
                       <p:childTnLst>
                         <p:par>
-                          <p:cTn id="43" fill="hold">
+                          <p:cTn id="49" fill="hold">
                             <p:stCondLst>
                               <p:cond delay="0"/>
                             </p:stCondLst>
                             <p:childTnLst>
                               <p:par>
-                                <p:cTn id="44" presetID="1" presetClass="entr" presetSubtype="0" fill="hold" nodeType="clickEffect">
+                                <p:cTn id="50" presetID="22" presetClass="entr" presetSubtype="1" fill="hold" nodeType="clickEffect">
                                   <p:stCondLst>
                                     <p:cond delay="0"/>
                                   </p:stCondLst>
                                   <p:childTnLst>
                                     <p:set>
                                       <p:cBhvr>
-                                        <p:cTn id="45" dur="1" fill="hold">
+                                        <p:cTn id="51" dur="1" fill="hold">
                                           <p:stCondLst>
                                             <p:cond delay="0"/>
                                           </p:stCondLst>
@@ -14849,6 +15085,14 @@
                                         <p:strVal val="visible"/>
                                       </p:to>
                                     </p:set>
+                                    <p:animEffect transition="in" filter="wipe(up)">
+                                      <p:cBhvr>
+                                        <p:cTn id="52" dur="500"/>
+                                        <p:tgtEl>
+                                          <p:spTgt spid="107"/>
+                                        </p:tgtEl>
+                                      </p:cBhvr>
+                                    </p:animEffect>
                                   </p:childTnLst>
                                 </p:cTn>
                               </p:par>
@@ -14859,26 +15103,26 @@
                     </p:cTn>
                   </p:par>
                   <p:par>
-                    <p:cTn id="46" fill="hold">
+                    <p:cTn id="53" fill="hold">
                       <p:stCondLst>
                         <p:cond delay="indefinite"/>
                       </p:stCondLst>
                       <p:childTnLst>
                         <p:par>
-                          <p:cTn id="47" fill="hold">
+                          <p:cTn id="54" fill="hold">
                             <p:stCondLst>
                               <p:cond delay="0"/>
                             </p:stCondLst>
                             <p:childTnLst>
                               <p:par>
-                                <p:cTn id="48" presetID="1" presetClass="entr" presetSubtype="0" fill="hold" grpId="0" nodeType="clickEffect">
+                                <p:cTn id="55" presetID="22" presetClass="entr" presetSubtype="1" fill="hold" grpId="0" nodeType="clickEffect">
                                   <p:stCondLst>
                                     <p:cond delay="0"/>
                                   </p:stCondLst>
                                   <p:childTnLst>
                                     <p:set>
                                       <p:cBhvr>
-                                        <p:cTn id="49" dur="1" fill="hold">
+                                        <p:cTn id="56" dur="1" fill="hold">
                                           <p:stCondLst>
                                             <p:cond delay="0"/>
                                           </p:stCondLst>
@@ -14894,6 +15138,14 @@
                                         <p:strVal val="visible"/>
                                       </p:to>
                                     </p:set>
+                                    <p:animEffect transition="in" filter="wipe(up)">
+                                      <p:cBhvr>
+                                        <p:cTn id="57" dur="1000"/>
+                                        <p:tgtEl>
+                                          <p:spTgt spid="95"/>
+                                        </p:tgtEl>
+                                      </p:cBhvr>
+                                    </p:animEffect>
                                   </p:childTnLst>
                                 </p:cTn>
                               </p:par>
@@ -17422,7 +17674,7 @@
           <a:graphicData uri="http://schemas.openxmlformats.org/presentationml/2006/ole">
             <mc:AlternateContent xmlns:mc="http://schemas.openxmlformats.org/markup-compatibility/2006">
               <mc:Choice xmlns:v="urn:schemas-microsoft-com:vml" Requires="v">
-                <p:oleObj spid="_x0000_s414778" name="Equation" r:id="rId4" imgW="800100" imgH="228600" progId="Equation.DSMT4">
+                <p:oleObj spid="_x0000_s414801" name="Equation" r:id="rId4" imgW="800100" imgH="228600" progId="Equation.DSMT4">
                   <p:embed/>
                 </p:oleObj>
               </mc:Choice>
@@ -17484,7 +17736,7 @@
           <a:graphicData uri="http://schemas.openxmlformats.org/presentationml/2006/ole">
             <mc:AlternateContent xmlns:mc="http://schemas.openxmlformats.org/markup-compatibility/2006">
               <mc:Choice xmlns:v="urn:schemas-microsoft-com:vml" Requires="v">
-                <p:oleObj spid="_x0000_s414779" name="Equation" r:id="rId6" imgW="622300" imgH="241300" progId="Equation.DSMT4">
+                <p:oleObj spid="_x0000_s414802" name="Equation" r:id="rId6" imgW="622300" imgH="241300" progId="Equation.DSMT4">
                   <p:embed/>
                 </p:oleObj>
               </mc:Choice>
@@ -17592,7 +17844,7 @@
             <a:graphicData uri="http://schemas.openxmlformats.org/presentationml/2006/ole">
               <mc:AlternateContent xmlns:mc="http://schemas.openxmlformats.org/markup-compatibility/2006">
                 <mc:Choice xmlns:v="urn:schemas-microsoft-com:vml" Requires="v">
-                  <p:oleObj spid="_x0000_s414780" name="Equation" r:id="rId8" imgW="622300" imgH="241300" progId="Equation.DSMT4">
+                  <p:oleObj spid="_x0000_s414803" name="Equation" r:id="rId8" imgW="622300" imgH="241300" progId="Equation.DSMT4">
                     <p:embed/>
                   </p:oleObj>
                 </mc:Choice>
@@ -17649,7 +17901,7 @@
             <a:graphicData uri="http://schemas.openxmlformats.org/presentationml/2006/ole">
               <mc:AlternateContent xmlns:mc="http://schemas.openxmlformats.org/markup-compatibility/2006">
                 <mc:Choice xmlns:v="urn:schemas-microsoft-com:vml" Requires="v">
-                  <p:oleObj spid="_x0000_s414781" name="Equation" r:id="rId9" imgW="609600" imgH="304800" progId="Equation.DSMT4">
+                  <p:oleObj spid="_x0000_s414804" name="Equation" r:id="rId9" imgW="609600" imgH="304800" progId="Equation.DSMT4">
                     <p:embed/>
                   </p:oleObj>
                 </mc:Choice>
@@ -17958,8 +18210,8 @@
         </p:nvSpPr>
         <p:spPr>
           <a:xfrm>
-            <a:off x="6615950" y="2754092"/>
-            <a:ext cx="667809" cy="2369971"/>
+            <a:off x="6590550" y="2743200"/>
+            <a:ext cx="711950" cy="2384524"/>
           </a:xfrm>
           <a:prstGeom prst="rect">
             <a:avLst/>
